--- a/presentation.pptx
+++ b/presentation.pptx
@@ -5,14 +5,15 @@
     <p:sldMasterId id="2147483648" r:id="rId1"/>
   </p:sldMasterIdLst>
   <p:notesMasterIdLst>
-    <p:notesMasterId r:id="rId7"/>
+    <p:notesMasterId r:id="rId8"/>
   </p:notesMasterIdLst>
   <p:sldIdLst>
     <p:sldId id="256" r:id="rId2"/>
     <p:sldId id="258" r:id="rId3"/>
     <p:sldId id="264" r:id="rId4"/>
-    <p:sldId id="265" r:id="rId5"/>
-    <p:sldId id="262" r:id="rId6"/>
+    <p:sldId id="266" r:id="rId5"/>
+    <p:sldId id="265" r:id="rId6"/>
+    <p:sldId id="262" r:id="rId7"/>
   </p:sldIdLst>
   <p:sldSz cx="12192000" cy="6858000"/>
   <p:notesSz cx="6858000" cy="9144000"/>
@@ -6869,7 +6870,7 @@
           <a:p>
             <a:fld id="{72FCA625-9FAC-864A-8DE0-FD5ED36AEFB1}" type="datetimeFigureOut">
               <a:rPr lang="en-US" smtClean="0"/>
-              <a:t>6/24/19</a:t>
+              <a:t>6/25/19</a:t>
             </a:fld>
             <a:endParaRPr lang="en-US"/>
           </a:p>
@@ -7518,7 +7519,7 @@
             <a:fld id="{B61BEF0D-F0BB-DE4B-95CE-6DB70DBA9567}" type="datetimeFigureOut">
               <a:rPr lang="en-US" dirty="0"/>
               <a:pPr/>
-              <a:t>6/24/19</a:t>
+              <a:t>6/25/19</a:t>
             </a:fld>
             <a:endParaRPr lang="en-US" dirty="0"/>
           </a:p>
@@ -7806,7 +7807,7 @@
             <a:fld id="{B61BEF0D-F0BB-DE4B-95CE-6DB70DBA9567}" type="datetimeFigureOut">
               <a:rPr lang="en-US" dirty="0"/>
               <a:pPr/>
-              <a:t>6/24/19</a:t>
+              <a:t>6/25/19</a:t>
             </a:fld>
             <a:endParaRPr lang="en-US" dirty="0"/>
           </a:p>
@@ -8062,7 +8063,7 @@
             <a:fld id="{B61BEF0D-F0BB-DE4B-95CE-6DB70DBA9567}" type="datetimeFigureOut">
               <a:rPr lang="en-US" dirty="0"/>
               <a:pPr/>
-              <a:t>6/24/19</a:t>
+              <a:t>6/25/19</a:t>
             </a:fld>
             <a:endParaRPr lang="en-US" dirty="0"/>
           </a:p>
@@ -8528,7 +8529,7 @@
             <a:fld id="{B61BEF0D-F0BB-DE4B-95CE-6DB70DBA9567}" type="datetimeFigureOut">
               <a:rPr lang="en-US" dirty="0"/>
               <a:pPr/>
-              <a:t>6/24/19</a:t>
+              <a:t>6/25/19</a:t>
             </a:fld>
             <a:endParaRPr lang="en-US" dirty="0"/>
           </a:p>
@@ -8705,7 +8706,7 @@
             <a:fld id="{B61BEF0D-F0BB-DE4B-95CE-6DB70DBA9567}" type="datetimeFigureOut">
               <a:rPr lang="en-US" dirty="0"/>
               <a:pPr/>
-              <a:t>6/24/19</a:t>
+              <a:t>6/25/19</a:t>
             </a:fld>
             <a:endParaRPr lang="en-US" dirty="0"/>
           </a:p>
@@ -9278,7 +9279,7 @@
             <a:fld id="{B61BEF0D-F0BB-DE4B-95CE-6DB70DBA9567}" type="datetimeFigureOut">
               <a:rPr lang="en-US" dirty="0"/>
               <a:pPr/>
-              <a:t>6/24/19</a:t>
+              <a:t>6/25/19</a:t>
             </a:fld>
             <a:endParaRPr lang="en-US" dirty="0"/>
           </a:p>
@@ -9607,7 +9608,7 @@
             <a:fld id="{B61BEF0D-F0BB-DE4B-95CE-6DB70DBA9567}" type="datetimeFigureOut">
               <a:rPr lang="en-US" dirty="0"/>
               <a:pPr/>
-              <a:t>6/24/19</a:t>
+              <a:t>6/25/19</a:t>
             </a:fld>
             <a:endParaRPr lang="en-US" dirty="0"/>
           </a:p>
@@ -9779,7 +9780,7 @@
             <a:fld id="{B61BEF0D-F0BB-DE4B-95CE-6DB70DBA9567}" type="datetimeFigureOut">
               <a:rPr lang="en-US" dirty="0"/>
               <a:pPr/>
-              <a:t>6/24/19</a:t>
+              <a:t>6/25/19</a:t>
             </a:fld>
             <a:endParaRPr lang="en-US" dirty="0"/>
           </a:p>
@@ -9956,7 +9957,7 @@
             <a:fld id="{B61BEF0D-F0BB-DE4B-95CE-6DB70DBA9567}" type="datetimeFigureOut">
               <a:rPr lang="en-US" dirty="0"/>
               <a:pPr/>
-              <a:t>6/24/19</a:t>
+              <a:t>6/25/19</a:t>
             </a:fld>
             <a:endParaRPr lang="en-US" dirty="0"/>
           </a:p>
@@ -10123,7 +10124,7 @@
             <a:fld id="{B61BEF0D-F0BB-DE4B-95CE-6DB70DBA9567}" type="datetimeFigureOut">
               <a:rPr lang="en-US" dirty="0"/>
               <a:pPr/>
-              <a:t>6/24/19</a:t>
+              <a:t>6/25/19</a:t>
             </a:fld>
             <a:endParaRPr lang="en-US" dirty="0"/>
           </a:p>
@@ -10377,7 +10378,7 @@
             <a:fld id="{B61BEF0D-F0BB-DE4B-95CE-6DB70DBA9567}" type="datetimeFigureOut">
               <a:rPr lang="en-US" dirty="0"/>
               <a:pPr/>
-              <a:t>6/24/19</a:t>
+              <a:t>6/25/19</a:t>
             </a:fld>
             <a:endParaRPr lang="en-US" dirty="0"/>
           </a:p>
@@ -10666,7 +10667,7 @@
             <a:fld id="{B61BEF0D-F0BB-DE4B-95CE-6DB70DBA9567}" type="datetimeFigureOut">
               <a:rPr lang="en-US" dirty="0"/>
               <a:pPr/>
-              <a:t>6/24/19</a:t>
+              <a:t>6/25/19</a:t>
             </a:fld>
             <a:endParaRPr lang="en-US" dirty="0"/>
           </a:p>
@@ -11093,7 +11094,7 @@
             <a:fld id="{B61BEF0D-F0BB-DE4B-95CE-6DB70DBA9567}" type="datetimeFigureOut">
               <a:rPr lang="en-US" dirty="0"/>
               <a:pPr/>
-              <a:t>6/24/19</a:t>
+              <a:t>6/25/19</a:t>
             </a:fld>
             <a:endParaRPr lang="en-US" dirty="0"/>
           </a:p>
@@ -11208,7 +11209,7 @@
             <a:fld id="{B61BEF0D-F0BB-DE4B-95CE-6DB70DBA9567}" type="datetimeFigureOut">
               <a:rPr lang="en-US" dirty="0"/>
               <a:pPr/>
-              <a:t>6/24/19</a:t>
+              <a:t>6/25/19</a:t>
             </a:fld>
             <a:endParaRPr lang="en-US" dirty="0"/>
           </a:p>
@@ -11300,7 +11301,7 @@
             <a:fld id="{B61BEF0D-F0BB-DE4B-95CE-6DB70DBA9567}" type="datetimeFigureOut">
               <a:rPr lang="en-US" dirty="0"/>
               <a:pPr/>
-              <a:t>6/24/19</a:t>
+              <a:t>6/25/19</a:t>
             </a:fld>
             <a:endParaRPr lang="en-US" dirty="0"/>
           </a:p>
@@ -11580,7 +11581,7 @@
             <a:fld id="{B61BEF0D-F0BB-DE4B-95CE-6DB70DBA9567}" type="datetimeFigureOut">
               <a:rPr lang="en-US" dirty="0"/>
               <a:pPr/>
-              <a:t>6/24/19</a:t>
+              <a:t>6/25/19</a:t>
             </a:fld>
             <a:endParaRPr lang="en-US" dirty="0"/>
           </a:p>
@@ -11868,7 +11869,7 @@
             <a:fld id="{B61BEF0D-F0BB-DE4B-95CE-6DB70DBA9567}" type="datetimeFigureOut">
               <a:rPr lang="en-US" dirty="0"/>
               <a:pPr/>
-              <a:t>6/24/19</a:t>
+              <a:t>6/25/19</a:t>
             </a:fld>
             <a:endParaRPr lang="en-US" dirty="0"/>
           </a:p>
@@ -12096,7 +12097,7 @@
             <a:fld id="{B61BEF0D-F0BB-DE4B-95CE-6DB70DBA9567}" type="datetimeFigureOut">
               <a:rPr lang="en-US" dirty="0"/>
               <a:pPr/>
-              <a:t>6/24/19</a:t>
+              <a:t>6/25/19</a:t>
             </a:fld>
             <a:endParaRPr lang="en-US" dirty="0"/>
           </a:p>
@@ -13781,6 +13782,113 @@
           <p:cNvPr id="2" name="Title 1">
             <a:extLst>
               <a:ext uri="{FF2B5EF4-FFF2-40B4-BE49-F238E27FC236}">
+                <a16:creationId xmlns:a16="http://schemas.microsoft.com/office/drawing/2014/main" id="{85385ABE-E5C5-9047-AC49-DED18942C3D3}"/>
+              </a:ext>
+            </a:extLst>
+          </p:cNvPr>
+          <p:cNvSpPr>
+            <a:spLocks noGrp="1"/>
+          </p:cNvSpPr>
+          <p:nvPr>
+            <p:ph type="title"/>
+          </p:nvPr>
+        </p:nvSpPr>
+        <p:spPr/>
+        <p:txBody>
+          <a:bodyPr/>
+          <a:lstStyle/>
+          <a:p>
+            <a:r>
+              <a:rPr lang="en-US" dirty="0"/>
+              <a:t>Use cases</a:t>
+            </a:r>
+          </a:p>
+        </p:txBody>
+      </p:sp>
+      <p:sp>
+        <p:nvSpPr>
+          <p:cNvPr id="3" name="Content Placeholder 2">
+            <a:extLst>
+              <a:ext uri="{FF2B5EF4-FFF2-40B4-BE49-F238E27FC236}">
+                <a16:creationId xmlns:a16="http://schemas.microsoft.com/office/drawing/2014/main" id="{CD90813B-15EF-9F47-82A9-796DA17CDF22}"/>
+              </a:ext>
+            </a:extLst>
+          </p:cNvPr>
+          <p:cNvSpPr>
+            <a:spLocks noGrp="1"/>
+          </p:cNvSpPr>
+          <p:nvPr>
+            <p:ph idx="1"/>
+          </p:nvPr>
+        </p:nvSpPr>
+        <p:spPr/>
+        <p:txBody>
+          <a:bodyPr/>
+          <a:lstStyle/>
+          <a:p>
+            <a:r>
+              <a:rPr lang="en-US" dirty="0"/>
+              <a:t>Document guidance (Gift aid)</a:t>
+            </a:r>
+          </a:p>
+          <a:p>
+            <a:r>
+              <a:rPr lang="en-US" dirty="0"/>
+              <a:t>News summaries and briefings</a:t>
+            </a:r>
+          </a:p>
+          <a:p>
+            <a:r>
+              <a:rPr lang="en-US" dirty="0"/>
+              <a:t>Content filtering</a:t>
+            </a:r>
+          </a:p>
+          <a:p>
+            <a:r>
+              <a:rPr lang="en-US" dirty="0"/>
+              <a:t>Can be trained for multi-lingual cases</a:t>
+            </a:r>
+          </a:p>
+          <a:p>
+            <a:endParaRPr lang="en-US" dirty="0"/>
+          </a:p>
+        </p:txBody>
+      </p:sp>
+    </p:spTree>
+    <p:extLst>
+      <p:ext uri="{BB962C8B-B14F-4D97-AF65-F5344CB8AC3E}">
+        <p14:creationId xmlns:p14="http://schemas.microsoft.com/office/powerpoint/2010/main" val="2089490924"/>
+      </p:ext>
+    </p:extLst>
+  </p:cSld>
+  <p:clrMapOvr>
+    <a:masterClrMapping/>
+  </p:clrMapOvr>
+</p:sld>
+</file>
+
+<file path=ppt/slides/slide5.xml><?xml version="1.0" encoding="utf-8"?>
+<p:sld xmlns:a="http://schemas.openxmlformats.org/drawingml/2006/main" xmlns:r="http://schemas.openxmlformats.org/officeDocument/2006/relationships" xmlns:p="http://schemas.openxmlformats.org/presentationml/2006/main">
+  <p:cSld>
+    <p:spTree>
+      <p:nvGrpSpPr>
+        <p:cNvPr id="1" name=""/>
+        <p:cNvGrpSpPr/>
+        <p:nvPr/>
+      </p:nvGrpSpPr>
+      <p:grpSpPr>
+        <a:xfrm>
+          <a:off x="0" y="0"/>
+          <a:ext cx="0" cy="0"/>
+          <a:chOff x="0" y="0"/>
+          <a:chExt cx="0" cy="0"/>
+        </a:xfrm>
+      </p:grpSpPr>
+      <p:sp>
+        <p:nvSpPr>
+          <p:cNvPr id="2" name="Title 1">
+            <a:extLst>
+              <a:ext uri="{FF2B5EF4-FFF2-40B4-BE49-F238E27FC236}">
                 <a16:creationId xmlns:a16="http://schemas.microsoft.com/office/drawing/2014/main" id="{29401FC0-8E71-B04F-A6E1-ECEC965F7863}"/>
               </a:ext>
             </a:extLst>
@@ -13851,7 +13959,7 @@
 </p:sld>
 </file>
 
-<file path=ppt/slides/slide5.xml><?xml version="1.0" encoding="utf-8"?>
+<file path=ppt/slides/slide6.xml><?xml version="1.0" encoding="utf-8"?>
 <p:sld xmlns:a="http://schemas.openxmlformats.org/drawingml/2006/main" xmlns:r="http://schemas.openxmlformats.org/officeDocument/2006/relationships" xmlns:p="http://schemas.openxmlformats.org/presentationml/2006/main">
   <p:cSld>
     <p:spTree>

--- a/presentation.pptx
+++ b/presentation.pptx
@@ -6870,7 +6870,7 @@
           <a:p>
             <a:fld id="{72FCA625-9FAC-864A-8DE0-FD5ED36AEFB1}" type="datetimeFigureOut">
               <a:rPr lang="en-US" smtClean="0"/>
-              <a:t>6/25/19</a:t>
+              <a:t>7/15/19</a:t>
             </a:fld>
             <a:endParaRPr lang="en-US"/>
           </a:p>
@@ -7519,7 +7519,7 @@
             <a:fld id="{B61BEF0D-F0BB-DE4B-95CE-6DB70DBA9567}" type="datetimeFigureOut">
               <a:rPr lang="en-US" dirty="0"/>
               <a:pPr/>
-              <a:t>6/25/19</a:t>
+              <a:t>7/15/19</a:t>
             </a:fld>
             <a:endParaRPr lang="en-US" dirty="0"/>
           </a:p>
@@ -7807,7 +7807,7 @@
             <a:fld id="{B61BEF0D-F0BB-DE4B-95CE-6DB70DBA9567}" type="datetimeFigureOut">
               <a:rPr lang="en-US" dirty="0"/>
               <a:pPr/>
-              <a:t>6/25/19</a:t>
+              <a:t>7/15/19</a:t>
             </a:fld>
             <a:endParaRPr lang="en-US" dirty="0"/>
           </a:p>
@@ -8063,7 +8063,7 @@
             <a:fld id="{B61BEF0D-F0BB-DE4B-95CE-6DB70DBA9567}" type="datetimeFigureOut">
               <a:rPr lang="en-US" dirty="0"/>
               <a:pPr/>
-              <a:t>6/25/19</a:t>
+              <a:t>7/15/19</a:t>
             </a:fld>
             <a:endParaRPr lang="en-US" dirty="0"/>
           </a:p>
@@ -8529,7 +8529,7 @@
             <a:fld id="{B61BEF0D-F0BB-DE4B-95CE-6DB70DBA9567}" type="datetimeFigureOut">
               <a:rPr lang="en-US" dirty="0"/>
               <a:pPr/>
-              <a:t>6/25/19</a:t>
+              <a:t>7/15/19</a:t>
             </a:fld>
             <a:endParaRPr lang="en-US" dirty="0"/>
           </a:p>
@@ -8706,7 +8706,7 @@
             <a:fld id="{B61BEF0D-F0BB-DE4B-95CE-6DB70DBA9567}" type="datetimeFigureOut">
               <a:rPr lang="en-US" dirty="0"/>
               <a:pPr/>
-              <a:t>6/25/19</a:t>
+              <a:t>7/15/19</a:t>
             </a:fld>
             <a:endParaRPr lang="en-US" dirty="0"/>
           </a:p>
@@ -9279,7 +9279,7 @@
             <a:fld id="{B61BEF0D-F0BB-DE4B-95CE-6DB70DBA9567}" type="datetimeFigureOut">
               <a:rPr lang="en-US" dirty="0"/>
               <a:pPr/>
-              <a:t>6/25/19</a:t>
+              <a:t>7/15/19</a:t>
             </a:fld>
             <a:endParaRPr lang="en-US" dirty="0"/>
           </a:p>
@@ -9608,7 +9608,7 @@
             <a:fld id="{B61BEF0D-F0BB-DE4B-95CE-6DB70DBA9567}" type="datetimeFigureOut">
               <a:rPr lang="en-US" dirty="0"/>
               <a:pPr/>
-              <a:t>6/25/19</a:t>
+              <a:t>7/15/19</a:t>
             </a:fld>
             <a:endParaRPr lang="en-US" dirty="0"/>
           </a:p>
@@ -9780,7 +9780,7 @@
             <a:fld id="{B61BEF0D-F0BB-DE4B-95CE-6DB70DBA9567}" type="datetimeFigureOut">
               <a:rPr lang="en-US" dirty="0"/>
               <a:pPr/>
-              <a:t>6/25/19</a:t>
+              <a:t>7/15/19</a:t>
             </a:fld>
             <a:endParaRPr lang="en-US" dirty="0"/>
           </a:p>
@@ -9957,7 +9957,7 @@
             <a:fld id="{B61BEF0D-F0BB-DE4B-95CE-6DB70DBA9567}" type="datetimeFigureOut">
               <a:rPr lang="en-US" dirty="0"/>
               <a:pPr/>
-              <a:t>6/25/19</a:t>
+              <a:t>7/15/19</a:t>
             </a:fld>
             <a:endParaRPr lang="en-US" dirty="0"/>
           </a:p>
@@ -10124,7 +10124,7 @@
             <a:fld id="{B61BEF0D-F0BB-DE4B-95CE-6DB70DBA9567}" type="datetimeFigureOut">
               <a:rPr lang="en-US" dirty="0"/>
               <a:pPr/>
-              <a:t>6/25/19</a:t>
+              <a:t>7/15/19</a:t>
             </a:fld>
             <a:endParaRPr lang="en-US" dirty="0"/>
           </a:p>
@@ -10378,7 +10378,7 @@
             <a:fld id="{B61BEF0D-F0BB-DE4B-95CE-6DB70DBA9567}" type="datetimeFigureOut">
               <a:rPr lang="en-US" dirty="0"/>
               <a:pPr/>
-              <a:t>6/25/19</a:t>
+              <a:t>7/15/19</a:t>
             </a:fld>
             <a:endParaRPr lang="en-US" dirty="0"/>
           </a:p>
@@ -10667,7 +10667,7 @@
             <a:fld id="{B61BEF0D-F0BB-DE4B-95CE-6DB70DBA9567}" type="datetimeFigureOut">
               <a:rPr lang="en-US" dirty="0"/>
               <a:pPr/>
-              <a:t>6/25/19</a:t>
+              <a:t>7/15/19</a:t>
             </a:fld>
             <a:endParaRPr lang="en-US" dirty="0"/>
           </a:p>
@@ -11094,7 +11094,7 @@
             <a:fld id="{B61BEF0D-F0BB-DE4B-95CE-6DB70DBA9567}" type="datetimeFigureOut">
               <a:rPr lang="en-US" dirty="0"/>
               <a:pPr/>
-              <a:t>6/25/19</a:t>
+              <a:t>7/15/19</a:t>
             </a:fld>
             <a:endParaRPr lang="en-US" dirty="0"/>
           </a:p>
@@ -11209,7 +11209,7 @@
             <a:fld id="{B61BEF0D-F0BB-DE4B-95CE-6DB70DBA9567}" type="datetimeFigureOut">
               <a:rPr lang="en-US" dirty="0"/>
               <a:pPr/>
-              <a:t>6/25/19</a:t>
+              <a:t>7/15/19</a:t>
             </a:fld>
             <a:endParaRPr lang="en-US" dirty="0"/>
           </a:p>
@@ -11301,7 +11301,7 @@
             <a:fld id="{B61BEF0D-F0BB-DE4B-95CE-6DB70DBA9567}" type="datetimeFigureOut">
               <a:rPr lang="en-US" dirty="0"/>
               <a:pPr/>
-              <a:t>6/25/19</a:t>
+              <a:t>7/15/19</a:t>
             </a:fld>
             <a:endParaRPr lang="en-US" dirty="0"/>
           </a:p>
@@ -11581,7 +11581,7 @@
             <a:fld id="{B61BEF0D-F0BB-DE4B-95CE-6DB70DBA9567}" type="datetimeFigureOut">
               <a:rPr lang="en-US" dirty="0"/>
               <a:pPr/>
-              <a:t>6/25/19</a:t>
+              <a:t>7/15/19</a:t>
             </a:fld>
             <a:endParaRPr lang="en-US" dirty="0"/>
           </a:p>
@@ -11869,7 +11869,7 @@
             <a:fld id="{B61BEF0D-F0BB-DE4B-95CE-6DB70DBA9567}" type="datetimeFigureOut">
               <a:rPr lang="en-US" dirty="0"/>
               <a:pPr/>
-              <a:t>6/25/19</a:t>
+              <a:t>7/15/19</a:t>
             </a:fld>
             <a:endParaRPr lang="en-US" dirty="0"/>
           </a:p>
@@ -12097,7 +12097,7 @@
             <a:fld id="{B61BEF0D-F0BB-DE4B-95CE-6DB70DBA9567}" type="datetimeFigureOut">
               <a:rPr lang="en-US" dirty="0"/>
               <a:pPr/>
-              <a:t>6/25/19</a:t>
+              <a:t>7/15/19</a:t>
             </a:fld>
             <a:endParaRPr lang="en-US" dirty="0"/>
           </a:p>
@@ -12878,7 +12878,12 @@
             <p:ph type="ctrTitle"/>
           </p:nvPr>
         </p:nvSpPr>
-        <p:spPr/>
+        <p:spPr>
+          <a:xfrm>
+            <a:off x="1757889" y="-1516082"/>
+            <a:ext cx="8676222" cy="3200400"/>
+          </a:xfrm>
+        </p:spPr>
         <p:txBody>
           <a:bodyPr/>
           <a:lstStyle/>
@@ -12906,7 +12911,12 @@
             <p:ph type="subTitle" idx="1"/>
           </p:nvPr>
         </p:nvSpPr>
-        <p:spPr/>
+        <p:spPr>
+          <a:xfrm>
+            <a:off x="1757889" y="1879271"/>
+            <a:ext cx="8676222" cy="1905000"/>
+          </a:xfrm>
+        </p:spPr>
         <p:txBody>
           <a:bodyPr/>
           <a:lstStyle/>
@@ -12919,11 +12929,91 @@
           <a:p>
             <a:r>
               <a:rPr lang="en-US" dirty="0"/>
-              <a:t>Article summarization and question answering</a:t>
+              <a:t>Article summarization and question answering (BERT)</a:t>
             </a:r>
           </a:p>
         </p:txBody>
       </p:sp>
+      <p:grpSp>
+        <p:nvGrpSpPr>
+          <p:cNvPr id="13" name="Group 12">
+            <a:extLst>
+              <a:ext uri="{FF2B5EF4-FFF2-40B4-BE49-F238E27FC236}">
+                <a16:creationId xmlns:a16="http://schemas.microsoft.com/office/drawing/2014/main" id="{6383E974-3AF9-294C-820A-C71A504DF7E2}"/>
+              </a:ext>
+            </a:extLst>
+          </p:cNvPr>
+          <p:cNvGrpSpPr/>
+          <p:nvPr/>
+        </p:nvGrpSpPr>
+        <p:grpSpPr>
+          <a:xfrm>
+            <a:off x="3111500" y="3429000"/>
+            <a:ext cx="6248400" cy="2518888"/>
+            <a:chOff x="3124200" y="3587751"/>
+            <a:chExt cx="6248400" cy="2518888"/>
+          </a:xfrm>
+        </p:grpSpPr>
+        <p:pic>
+          <p:nvPicPr>
+            <p:cNvPr id="10" name="Picture 9">
+              <a:extLst>
+                <a:ext uri="{FF2B5EF4-FFF2-40B4-BE49-F238E27FC236}">
+                  <a16:creationId xmlns:a16="http://schemas.microsoft.com/office/drawing/2014/main" id="{F77E2B88-9D63-4F4D-962E-326CB80DF35D}"/>
+                </a:ext>
+              </a:extLst>
+            </p:cNvPr>
+            <p:cNvPicPr>
+              <a:picLocks noChangeAspect="1"/>
+            </p:cNvPicPr>
+            <p:nvPr/>
+          </p:nvPicPr>
+          <p:blipFill>
+            <a:blip r:embed="rId2"/>
+            <a:stretch>
+              <a:fillRect/>
+            </a:stretch>
+          </p:blipFill>
+          <p:spPr>
+            <a:xfrm flipH="1">
+              <a:off x="6096000" y="3587751"/>
+              <a:ext cx="3276600" cy="2493349"/>
+            </a:xfrm>
+            <a:prstGeom prst="rect">
+              <a:avLst/>
+            </a:prstGeom>
+          </p:spPr>
+        </p:pic>
+        <p:pic>
+          <p:nvPicPr>
+            <p:cNvPr id="12" name="Picture 11">
+              <a:extLst>
+                <a:ext uri="{FF2B5EF4-FFF2-40B4-BE49-F238E27FC236}">
+                  <a16:creationId xmlns:a16="http://schemas.microsoft.com/office/drawing/2014/main" id="{7C9E46BF-0189-D944-AC90-C831AE24D1AD}"/>
+                </a:ext>
+              </a:extLst>
+            </p:cNvPr>
+            <p:cNvPicPr>
+              <a:picLocks noChangeAspect="1"/>
+            </p:cNvPicPr>
+            <p:nvPr/>
+          </p:nvPicPr>
+          <p:blipFill rotWithShape="1">
+            <a:blip r:embed="rId3"/>
+            <a:srcRect t="5844" b="30586"/>
+            <a:stretch/>
+          </p:blipFill>
+          <p:spPr>
+            <a:xfrm>
+              <a:off x="3124200" y="3587751"/>
+              <a:ext cx="2971800" cy="2518888"/>
+            </a:xfrm>
+            <a:prstGeom prst="rect">
+              <a:avLst/>
+            </a:prstGeom>
+          </p:spPr>
+        </p:pic>
+      </p:grpSp>
     </p:spTree>
     <p:extLst>
       <p:ext uri="{BB962C8B-B14F-4D97-AF65-F5344CB8AC3E}">
